--- a/slides/00_keras_R_setting_on_windows.pptx
+++ b/slides/00_keras_R_setting_on_windows.pptx
@@ -5,7 +5,7 @@
     <p:sldMasterId id="2147483660" r:id="rId1"/>
   </p:sldMasterIdLst>
   <p:notesMasterIdLst>
-    <p:notesMasterId r:id="rId10"/>
+    <p:notesMasterId r:id="rId15"/>
   </p:notesMasterIdLst>
   <p:sldIdLst>
     <p:sldId id="256" r:id="rId2"/>
@@ -16,6 +16,11 @@
     <p:sldId id="261" r:id="rId7"/>
     <p:sldId id="262" r:id="rId8"/>
     <p:sldId id="263" r:id="rId9"/>
+    <p:sldId id="264" r:id="rId10"/>
+    <p:sldId id="265" r:id="rId11"/>
+    <p:sldId id="267" r:id="rId12"/>
+    <p:sldId id="268" r:id="rId13"/>
+    <p:sldId id="269" r:id="rId14"/>
   </p:sldIdLst>
   <p:sldSz cx="9144000" cy="6858000" type="screen4x3"/>
   <p:notesSz cx="6858000" cy="9144000"/>
@@ -3503,6 +3508,1118 @@
 </p:sld>
 </file>
 
+<file path=ppt/slides/slide10.xml><?xml version="1.0" encoding="utf-8"?>
+<p:sld xmlns:a="http://schemas.openxmlformats.org/drawingml/2006/main" xmlns:r="http://schemas.openxmlformats.org/officeDocument/2006/relationships" xmlns:p="http://schemas.openxmlformats.org/presentationml/2006/main">
+  <p:cSld>
+    <p:spTree>
+      <p:nvGrpSpPr>
+        <p:cNvPr id="1" name=""/>
+        <p:cNvGrpSpPr/>
+        <p:nvPr/>
+      </p:nvGrpSpPr>
+      <p:grpSpPr>
+        <a:xfrm>
+          <a:off x="0" y="0"/>
+          <a:ext cx="0" cy="0"/>
+          <a:chOff x="0" y="0"/>
+          <a:chExt cx="0" cy="0"/>
+        </a:xfrm>
+      </p:grpSpPr>
+      <p:sp>
+        <p:nvSpPr>
+          <p:cNvPr id="2" name="제목 1">
+            <a:extLst>
+              <a:ext uri="{FF2B5EF4-FFF2-40B4-BE49-F238E27FC236}">
+                <a16:creationId xmlns:a16="http://schemas.microsoft.com/office/drawing/2014/main" id="{B0244AD4-03B7-4C8B-9EC2-F265D484E4F2}"/>
+              </a:ext>
+            </a:extLst>
+          </p:cNvPr>
+          <p:cNvSpPr>
+            <a:spLocks noGrp="1"/>
+          </p:cNvSpPr>
+          <p:nvPr>
+            <p:ph type="title"/>
+          </p:nvPr>
+        </p:nvSpPr>
+        <p:spPr/>
+        <p:txBody>
+          <a:bodyPr/>
+          <a:lstStyle/>
+          <a:p>
+            <a:r>
+              <a:rPr lang="ko-KR" altLang="en-US" dirty="0">
+                <a:latin typeface="+mj-ea"/>
+              </a:rPr>
+              <a:t>참고</a:t>
+            </a:r>
+            <a:r>
+              <a:rPr lang="en-US" altLang="ko-KR" dirty="0">
+                <a:latin typeface="+mj-ea"/>
+              </a:rPr>
+              <a:t>. </a:t>
+            </a:r>
+            <a:r>
+              <a:rPr lang="en-US" altLang="ko-KR" dirty="0" err="1">
+                <a:latin typeface="+mj-ea"/>
+              </a:rPr>
+              <a:t>Keras</a:t>
+            </a:r>
+            <a:r>
+              <a:rPr lang="en-US" altLang="ko-KR" dirty="0">
+                <a:latin typeface="+mj-ea"/>
+              </a:rPr>
+              <a:t> with GPU</a:t>
+            </a:r>
+          </a:p>
+        </p:txBody>
+      </p:sp>
+      <p:sp>
+        <p:nvSpPr>
+          <p:cNvPr id="3" name="내용 개체 틀 2">
+            <a:extLst>
+              <a:ext uri="{FF2B5EF4-FFF2-40B4-BE49-F238E27FC236}">
+                <a16:creationId xmlns:a16="http://schemas.microsoft.com/office/drawing/2014/main" id="{7B25CAE9-42A4-462F-9ED3-EF9650BD6955}"/>
+              </a:ext>
+            </a:extLst>
+          </p:cNvPr>
+          <p:cNvSpPr>
+            <a:spLocks noGrp="1"/>
+          </p:cNvSpPr>
+          <p:nvPr>
+            <p:ph idx="1"/>
+          </p:nvPr>
+        </p:nvSpPr>
+        <p:spPr/>
+        <p:txBody>
+          <a:bodyPr/>
+          <a:lstStyle/>
+          <a:p>
+            <a:r>
+              <a:rPr lang="en-US" altLang="ko-KR" dirty="0"/>
+              <a:t>Visual Studio 2015 Community Edition</a:t>
+            </a:r>
+          </a:p>
+          <a:p>
+            <a:pPr lvl="1"/>
+            <a:r>
+              <a:rPr lang="ko-KR" altLang="en-US" dirty="0"/>
+              <a:t>다운로드</a:t>
+            </a:r>
+            <a:endParaRPr lang="en-US" altLang="ko-KR" dirty="0"/>
+          </a:p>
+          <a:p>
+            <a:pPr lvl="2"/>
+            <a:r>
+              <a:rPr lang="en-US" altLang="ko-KR" dirty="0">
+                <a:hlinkClick r:id="rId2"/>
+              </a:rPr>
+              <a:t>https://www.kunal-chowdhury.com/2015/07/download-visualstudio-2015.html</a:t>
+            </a:r>
+            <a:endParaRPr lang="en-US" altLang="ko-KR" dirty="0"/>
+          </a:p>
+          <a:p>
+            <a:pPr lvl="2"/>
+            <a:r>
+              <a:rPr lang="en-US" altLang="ko-KR" dirty="0"/>
+              <a:t>Visual Studio Community 2015 - ISO Image (Offline Installer) </a:t>
+            </a:r>
+            <a:r>
+              <a:rPr lang="ko-KR" altLang="en-US" dirty="0"/>
+              <a:t>선택</a:t>
+            </a:r>
+            <a:endParaRPr lang="en-US" altLang="ko-KR" dirty="0"/>
+          </a:p>
+          <a:p>
+            <a:pPr lvl="1"/>
+            <a:r>
+              <a:rPr lang="ko-KR" altLang="en-US" dirty="0"/>
+              <a:t>설치</a:t>
+            </a:r>
+            <a:endParaRPr lang="en-US" altLang="ko-KR" dirty="0"/>
+          </a:p>
+          <a:p>
+            <a:pPr lvl="2"/>
+            <a:r>
+              <a:rPr lang="en-US" altLang="ko-KR" dirty="0"/>
+              <a:t>Default </a:t>
+            </a:r>
+            <a:r>
+              <a:rPr lang="ko-KR" altLang="en-US" dirty="0"/>
+              <a:t>옵션으로 설치</a:t>
+            </a:r>
+            <a:endParaRPr lang="en-US" altLang="ko-KR" dirty="0"/>
+          </a:p>
+          <a:p>
+            <a:pPr lvl="2"/>
+            <a:endParaRPr lang="en-US" altLang="ko-KR" dirty="0"/>
+          </a:p>
+        </p:txBody>
+      </p:sp>
+      <p:sp>
+        <p:nvSpPr>
+          <p:cNvPr id="4" name="슬라이드 번호 개체 틀 3">
+            <a:extLst>
+              <a:ext uri="{FF2B5EF4-FFF2-40B4-BE49-F238E27FC236}">
+                <a16:creationId xmlns:a16="http://schemas.microsoft.com/office/drawing/2014/main" id="{79DAC62F-AFAA-491D-83D9-AF64BAD9466A}"/>
+              </a:ext>
+            </a:extLst>
+          </p:cNvPr>
+          <p:cNvSpPr>
+            <a:spLocks noGrp="1"/>
+          </p:cNvSpPr>
+          <p:nvPr>
+            <p:ph type="sldNum" sz="quarter" idx="12"/>
+          </p:nvPr>
+        </p:nvSpPr>
+        <p:spPr/>
+        <p:txBody>
+          <a:bodyPr/>
+          <a:lstStyle/>
+          <a:p>
+            <a:fld id="{836783C6-531D-4D0E-B3A1-E8B885D89794}" type="slidenum">
+              <a:rPr lang="ko-KR" altLang="en-US" smtClean="0"/>
+              <a:t>10</a:t>
+            </a:fld>
+            <a:endParaRPr lang="ko-KR" altLang="en-US"/>
+          </a:p>
+        </p:txBody>
+      </p:sp>
+    </p:spTree>
+    <p:extLst>
+      <p:ext uri="{BB962C8B-B14F-4D97-AF65-F5344CB8AC3E}">
+        <p14:creationId xmlns:p14="http://schemas.microsoft.com/office/powerpoint/2010/main" val="2980535608"/>
+      </p:ext>
+    </p:extLst>
+  </p:cSld>
+  <p:clrMapOvr>
+    <a:masterClrMapping/>
+  </p:clrMapOvr>
+</p:sld>
+</file>
+
+<file path=ppt/slides/slide11.xml><?xml version="1.0" encoding="utf-8"?>
+<p:sld xmlns:a="http://schemas.openxmlformats.org/drawingml/2006/main" xmlns:r="http://schemas.openxmlformats.org/officeDocument/2006/relationships" xmlns:p="http://schemas.openxmlformats.org/presentationml/2006/main">
+  <p:cSld>
+    <p:spTree>
+      <p:nvGrpSpPr>
+        <p:cNvPr id="1" name=""/>
+        <p:cNvGrpSpPr/>
+        <p:nvPr/>
+      </p:nvGrpSpPr>
+      <p:grpSpPr>
+        <a:xfrm>
+          <a:off x="0" y="0"/>
+          <a:ext cx="0" cy="0"/>
+          <a:chOff x="0" y="0"/>
+          <a:chExt cx="0" cy="0"/>
+        </a:xfrm>
+      </p:grpSpPr>
+      <p:sp>
+        <p:nvSpPr>
+          <p:cNvPr id="2" name="제목 1">
+            <a:extLst>
+              <a:ext uri="{FF2B5EF4-FFF2-40B4-BE49-F238E27FC236}">
+                <a16:creationId xmlns:a16="http://schemas.microsoft.com/office/drawing/2014/main" id="{B0244AD4-03B7-4C8B-9EC2-F265D484E4F2}"/>
+              </a:ext>
+            </a:extLst>
+          </p:cNvPr>
+          <p:cNvSpPr>
+            <a:spLocks noGrp="1"/>
+          </p:cNvSpPr>
+          <p:nvPr>
+            <p:ph type="title"/>
+          </p:nvPr>
+        </p:nvSpPr>
+        <p:spPr/>
+        <p:txBody>
+          <a:bodyPr/>
+          <a:lstStyle/>
+          <a:p>
+            <a:r>
+              <a:rPr lang="ko-KR" altLang="en-US" dirty="0">
+                <a:latin typeface="+mj-ea"/>
+              </a:rPr>
+              <a:t>참고</a:t>
+            </a:r>
+            <a:r>
+              <a:rPr lang="en-US" altLang="ko-KR" dirty="0">
+                <a:latin typeface="+mj-ea"/>
+              </a:rPr>
+              <a:t>. </a:t>
+            </a:r>
+            <a:r>
+              <a:rPr lang="en-US" altLang="ko-KR" dirty="0" err="1">
+                <a:latin typeface="+mj-ea"/>
+              </a:rPr>
+              <a:t>Keras</a:t>
+            </a:r>
+            <a:r>
+              <a:rPr lang="en-US" altLang="ko-KR" dirty="0">
+                <a:latin typeface="+mj-ea"/>
+              </a:rPr>
+              <a:t> with GPU</a:t>
+            </a:r>
+          </a:p>
+        </p:txBody>
+      </p:sp>
+      <p:sp>
+        <p:nvSpPr>
+          <p:cNvPr id="3" name="내용 개체 틀 2">
+            <a:extLst>
+              <a:ext uri="{FF2B5EF4-FFF2-40B4-BE49-F238E27FC236}">
+                <a16:creationId xmlns:a16="http://schemas.microsoft.com/office/drawing/2014/main" id="{7B25CAE9-42A4-462F-9ED3-EF9650BD6955}"/>
+              </a:ext>
+            </a:extLst>
+          </p:cNvPr>
+          <p:cNvSpPr>
+            <a:spLocks noGrp="1"/>
+          </p:cNvSpPr>
+          <p:nvPr>
+            <p:ph idx="1"/>
+          </p:nvPr>
+        </p:nvSpPr>
+        <p:spPr/>
+        <p:txBody>
+          <a:bodyPr/>
+          <a:lstStyle/>
+          <a:p>
+            <a:r>
+              <a:rPr lang="en-US" altLang="ko-KR" dirty="0"/>
+              <a:t>NVIDIA CUDA toolkit 9.0</a:t>
+            </a:r>
+          </a:p>
+          <a:p>
+            <a:pPr lvl="1"/>
+            <a:r>
+              <a:rPr lang="ko-KR" altLang="en-US" dirty="0"/>
+              <a:t>다운로드</a:t>
+            </a:r>
+            <a:endParaRPr lang="en-US" altLang="ko-KR" dirty="0"/>
+          </a:p>
+          <a:p>
+            <a:pPr lvl="2"/>
+            <a:r>
+              <a:rPr lang="en-US" altLang="ko-KR" dirty="0">
+                <a:hlinkClick r:id="rId2"/>
+              </a:rPr>
+              <a:t>https://developer.nvidia.com/cuda-90-download-archive</a:t>
+            </a:r>
+            <a:endParaRPr lang="en-US" altLang="ko-KR" dirty="0"/>
+          </a:p>
+          <a:p>
+            <a:pPr lvl="2"/>
+            <a:r>
+              <a:rPr lang="en-US" altLang="ko-KR" dirty="0"/>
+              <a:t>windows &gt; </a:t>
+            </a:r>
+            <a:r>
+              <a:rPr lang="ko-KR" altLang="en-US" dirty="0"/>
+              <a:t>본인의 윈도우 </a:t>
+            </a:r>
+            <a:r>
+              <a:rPr lang="ko-KR" altLang="en-US" dirty="0" err="1"/>
+              <a:t>버젼</a:t>
+            </a:r>
+            <a:r>
+              <a:rPr lang="ko-KR" altLang="en-US" dirty="0"/>
+              <a:t> </a:t>
+            </a:r>
+            <a:r>
+              <a:rPr lang="en-US" altLang="ko-KR" dirty="0"/>
+              <a:t>&gt; .exe (local) </a:t>
+            </a:r>
+            <a:r>
+              <a:rPr lang="ko-KR" altLang="en-US" dirty="0"/>
+              <a:t>선택</a:t>
+            </a:r>
+            <a:endParaRPr lang="en-US" altLang="ko-KR" dirty="0"/>
+          </a:p>
+          <a:p>
+            <a:pPr lvl="1"/>
+            <a:r>
+              <a:rPr lang="ko-KR" altLang="en-US" dirty="0"/>
+              <a:t>설치</a:t>
+            </a:r>
+            <a:endParaRPr lang="en-US" altLang="ko-KR" dirty="0"/>
+          </a:p>
+          <a:p>
+            <a:pPr lvl="2"/>
+            <a:r>
+              <a:rPr lang="ko-KR" altLang="en-US" dirty="0"/>
+              <a:t>옵션 변경 없이 </a:t>
+            </a:r>
+            <a:r>
+              <a:rPr lang="en-US" altLang="ko-KR" dirty="0"/>
+              <a:t>Next </a:t>
+            </a:r>
+            <a:r>
+              <a:rPr lang="ko-KR" altLang="en-US" dirty="0"/>
+              <a:t>클릭</a:t>
+            </a:r>
+            <a:endParaRPr lang="en-US" altLang="ko-KR" dirty="0"/>
+          </a:p>
+          <a:p>
+            <a:pPr lvl="2"/>
+            <a:endParaRPr lang="en-US" altLang="ko-KR" dirty="0"/>
+          </a:p>
+        </p:txBody>
+      </p:sp>
+      <p:sp>
+        <p:nvSpPr>
+          <p:cNvPr id="4" name="슬라이드 번호 개체 틀 3">
+            <a:extLst>
+              <a:ext uri="{FF2B5EF4-FFF2-40B4-BE49-F238E27FC236}">
+                <a16:creationId xmlns:a16="http://schemas.microsoft.com/office/drawing/2014/main" id="{79DAC62F-AFAA-491D-83D9-AF64BAD9466A}"/>
+              </a:ext>
+            </a:extLst>
+          </p:cNvPr>
+          <p:cNvSpPr>
+            <a:spLocks noGrp="1"/>
+          </p:cNvSpPr>
+          <p:nvPr>
+            <p:ph type="sldNum" sz="quarter" idx="12"/>
+          </p:nvPr>
+        </p:nvSpPr>
+        <p:spPr/>
+        <p:txBody>
+          <a:bodyPr/>
+          <a:lstStyle/>
+          <a:p>
+            <a:fld id="{836783C6-531D-4D0E-B3A1-E8B885D89794}" type="slidenum">
+              <a:rPr lang="ko-KR" altLang="en-US" smtClean="0"/>
+              <a:t>11</a:t>
+            </a:fld>
+            <a:endParaRPr lang="ko-KR" altLang="en-US"/>
+          </a:p>
+        </p:txBody>
+      </p:sp>
+    </p:spTree>
+    <p:extLst>
+      <p:ext uri="{BB962C8B-B14F-4D97-AF65-F5344CB8AC3E}">
+        <p14:creationId xmlns:p14="http://schemas.microsoft.com/office/powerpoint/2010/main" val="1932932962"/>
+      </p:ext>
+    </p:extLst>
+  </p:cSld>
+  <p:clrMapOvr>
+    <a:masterClrMapping/>
+  </p:clrMapOvr>
+</p:sld>
+</file>
+
+<file path=ppt/slides/slide12.xml><?xml version="1.0" encoding="utf-8"?>
+<p:sld xmlns:a="http://schemas.openxmlformats.org/drawingml/2006/main" xmlns:r="http://schemas.openxmlformats.org/officeDocument/2006/relationships" xmlns:p="http://schemas.openxmlformats.org/presentationml/2006/main">
+  <p:cSld>
+    <p:spTree>
+      <p:nvGrpSpPr>
+        <p:cNvPr id="1" name=""/>
+        <p:cNvGrpSpPr/>
+        <p:nvPr/>
+      </p:nvGrpSpPr>
+      <p:grpSpPr>
+        <a:xfrm>
+          <a:off x="0" y="0"/>
+          <a:ext cx="0" cy="0"/>
+          <a:chOff x="0" y="0"/>
+          <a:chExt cx="0" cy="0"/>
+        </a:xfrm>
+      </p:grpSpPr>
+      <p:sp>
+        <p:nvSpPr>
+          <p:cNvPr id="2" name="제목 1">
+            <a:extLst>
+              <a:ext uri="{FF2B5EF4-FFF2-40B4-BE49-F238E27FC236}">
+                <a16:creationId xmlns:a16="http://schemas.microsoft.com/office/drawing/2014/main" id="{B0244AD4-03B7-4C8B-9EC2-F265D484E4F2}"/>
+              </a:ext>
+            </a:extLst>
+          </p:cNvPr>
+          <p:cNvSpPr>
+            <a:spLocks noGrp="1"/>
+          </p:cNvSpPr>
+          <p:nvPr>
+            <p:ph type="title"/>
+          </p:nvPr>
+        </p:nvSpPr>
+        <p:spPr/>
+        <p:txBody>
+          <a:bodyPr/>
+          <a:lstStyle/>
+          <a:p>
+            <a:r>
+              <a:rPr lang="ko-KR" altLang="en-US" dirty="0">
+                <a:latin typeface="+mj-ea"/>
+              </a:rPr>
+              <a:t>참고</a:t>
+            </a:r>
+            <a:r>
+              <a:rPr lang="en-US" altLang="ko-KR" dirty="0">
+                <a:latin typeface="+mj-ea"/>
+              </a:rPr>
+              <a:t>. </a:t>
+            </a:r>
+            <a:r>
+              <a:rPr lang="en-US" altLang="ko-KR" dirty="0" err="1">
+                <a:latin typeface="+mj-ea"/>
+              </a:rPr>
+              <a:t>Keras</a:t>
+            </a:r>
+            <a:r>
+              <a:rPr lang="en-US" altLang="ko-KR" dirty="0">
+                <a:latin typeface="+mj-ea"/>
+              </a:rPr>
+              <a:t> with GPU</a:t>
+            </a:r>
+          </a:p>
+        </p:txBody>
+      </p:sp>
+      <p:sp>
+        <p:nvSpPr>
+          <p:cNvPr id="3" name="내용 개체 틀 2">
+            <a:extLst>
+              <a:ext uri="{FF2B5EF4-FFF2-40B4-BE49-F238E27FC236}">
+                <a16:creationId xmlns:a16="http://schemas.microsoft.com/office/drawing/2014/main" id="{7B25CAE9-42A4-462F-9ED3-EF9650BD6955}"/>
+              </a:ext>
+            </a:extLst>
+          </p:cNvPr>
+          <p:cNvSpPr>
+            <a:spLocks noGrp="1"/>
+          </p:cNvSpPr>
+          <p:nvPr>
+            <p:ph idx="1"/>
+          </p:nvPr>
+        </p:nvSpPr>
+        <p:spPr/>
+        <p:txBody>
+          <a:bodyPr/>
+          <a:lstStyle/>
+          <a:p>
+            <a:r>
+              <a:rPr lang="en-US" altLang="ko-KR" dirty="0"/>
+              <a:t>NVIDIA </a:t>
+            </a:r>
+            <a:r>
+              <a:rPr lang="en-US" altLang="ko-KR" dirty="0" err="1"/>
+              <a:t>cuDNN</a:t>
+            </a:r>
+            <a:r>
+              <a:rPr lang="en-US" altLang="ko-KR" dirty="0"/>
+              <a:t> 7.4</a:t>
+            </a:r>
+          </a:p>
+          <a:p>
+            <a:pPr lvl="1"/>
+            <a:r>
+              <a:rPr lang="ko-KR" altLang="en-US" dirty="0"/>
+              <a:t>다운로드</a:t>
+            </a:r>
+            <a:endParaRPr lang="en-US" altLang="ko-KR" dirty="0"/>
+          </a:p>
+          <a:p>
+            <a:pPr lvl="2"/>
+            <a:r>
+              <a:rPr lang="en-US" altLang="ko-KR" dirty="0">
+                <a:hlinkClick r:id="rId2"/>
+              </a:rPr>
+              <a:t>https://developer.nvidia.com/rdp/cudnn-archive</a:t>
+            </a:r>
+            <a:endParaRPr lang="en-US" altLang="ko-KR" dirty="0"/>
+          </a:p>
+          <a:p>
+            <a:pPr lvl="2"/>
+            <a:r>
+              <a:rPr lang="en-US" altLang="ko-KR" dirty="0"/>
+              <a:t>Download </a:t>
+            </a:r>
+            <a:r>
+              <a:rPr lang="en-US" altLang="ko-KR" dirty="0" err="1"/>
+              <a:t>cuDNN</a:t>
+            </a:r>
+            <a:r>
+              <a:rPr lang="en-US" altLang="ko-KR" dirty="0"/>
+              <a:t> v7.4.1 (Nov 8, 2018), for CUDA 9.0 </a:t>
+            </a:r>
+            <a:r>
+              <a:rPr lang="ko-KR" altLang="en-US" dirty="0"/>
+              <a:t>선택</a:t>
+            </a:r>
+            <a:endParaRPr lang="en-US" altLang="ko-KR" dirty="0"/>
+          </a:p>
+          <a:p>
+            <a:pPr lvl="2"/>
+            <a:r>
+              <a:rPr lang="ko-KR" altLang="en-US" dirty="0"/>
+              <a:t>본인 윈도 버전에 맞는 </a:t>
+            </a:r>
+            <a:r>
+              <a:rPr lang="en-US" altLang="ko-KR" dirty="0" err="1"/>
+              <a:t>cuDNN</a:t>
+            </a:r>
+            <a:r>
+              <a:rPr lang="en-US" altLang="ko-KR" dirty="0"/>
+              <a:t> Library </a:t>
+            </a:r>
+            <a:r>
+              <a:rPr lang="ko-KR" altLang="en-US" dirty="0"/>
+              <a:t>선택</a:t>
+            </a:r>
+            <a:endParaRPr lang="en-US" altLang="ko-KR" dirty="0"/>
+          </a:p>
+          <a:p>
+            <a:pPr lvl="2"/>
+            <a:r>
+              <a:rPr lang="ko-KR" altLang="en-US" dirty="0"/>
+              <a:t>로그인 </a:t>
+            </a:r>
+            <a:r>
+              <a:rPr lang="en-US" altLang="ko-KR" dirty="0"/>
+              <a:t>(</a:t>
+            </a:r>
+            <a:r>
+              <a:rPr lang="ko-KR" altLang="en-US" dirty="0"/>
+              <a:t>별도 계정 생성 없이 구글 계정으로 로그인 선택하면 편함</a:t>
+            </a:r>
+            <a:r>
+              <a:rPr lang="en-US" altLang="ko-KR" dirty="0"/>
+              <a:t>)</a:t>
+            </a:r>
+          </a:p>
+          <a:p>
+            <a:pPr lvl="2"/>
+            <a:r>
+              <a:rPr lang="ko-KR" altLang="en-US" dirty="0"/>
+              <a:t>압축파일 다운로드</a:t>
+            </a:r>
+            <a:endParaRPr lang="en-US" altLang="ko-KR" dirty="0"/>
+          </a:p>
+          <a:p>
+            <a:pPr lvl="1"/>
+            <a:r>
+              <a:rPr lang="ko-KR" altLang="en-US" dirty="0"/>
+              <a:t>설치</a:t>
+            </a:r>
+            <a:endParaRPr lang="en-US" altLang="ko-KR" dirty="0"/>
+          </a:p>
+          <a:p>
+            <a:pPr lvl="2"/>
+            <a:r>
+              <a:rPr lang="ko-KR" altLang="en-US" dirty="0"/>
+              <a:t>압축을 풀면 나오는 폴더 </a:t>
+            </a:r>
+            <a:r>
+              <a:rPr lang="en-US" altLang="ko-KR" dirty="0"/>
+              <a:t>3</a:t>
+            </a:r>
+            <a:r>
+              <a:rPr lang="ko-KR" altLang="en-US" dirty="0"/>
+              <a:t>개</a:t>
+            </a:r>
+            <a:r>
+              <a:rPr lang="en-US" altLang="ko-KR" dirty="0"/>
+              <a:t>(bin, include, lib)</a:t>
+            </a:r>
+            <a:r>
+              <a:rPr lang="ko-KR" altLang="en-US" dirty="0"/>
+              <a:t>를 </a:t>
+            </a:r>
+            <a:r>
+              <a:rPr lang="en-US" altLang="ko-KR" dirty="0"/>
+              <a:t>CUDA Toolkit</a:t>
+            </a:r>
+            <a:r>
+              <a:rPr lang="ko-KR" altLang="en-US" dirty="0"/>
+              <a:t>이 설치된 경로에 복사</a:t>
+            </a:r>
+            <a:endParaRPr lang="en-US" altLang="ko-KR" dirty="0"/>
+          </a:p>
+          <a:p>
+            <a:pPr lvl="2"/>
+            <a:r>
+              <a:rPr lang="en-US" altLang="ko-KR" dirty="0"/>
+              <a:t>C:\Program Files\NVIDIA GPU Computing Toolkit\CUDA\v9.0</a:t>
+            </a:r>
+          </a:p>
+        </p:txBody>
+      </p:sp>
+      <p:sp>
+        <p:nvSpPr>
+          <p:cNvPr id="4" name="슬라이드 번호 개체 틀 3">
+            <a:extLst>
+              <a:ext uri="{FF2B5EF4-FFF2-40B4-BE49-F238E27FC236}">
+                <a16:creationId xmlns:a16="http://schemas.microsoft.com/office/drawing/2014/main" id="{79DAC62F-AFAA-491D-83D9-AF64BAD9466A}"/>
+              </a:ext>
+            </a:extLst>
+          </p:cNvPr>
+          <p:cNvSpPr>
+            <a:spLocks noGrp="1"/>
+          </p:cNvSpPr>
+          <p:nvPr>
+            <p:ph type="sldNum" sz="quarter" idx="12"/>
+          </p:nvPr>
+        </p:nvSpPr>
+        <p:spPr/>
+        <p:txBody>
+          <a:bodyPr/>
+          <a:lstStyle/>
+          <a:p>
+            <a:fld id="{836783C6-531D-4D0E-B3A1-E8B885D89794}" type="slidenum">
+              <a:rPr lang="ko-KR" altLang="en-US" smtClean="0"/>
+              <a:t>12</a:t>
+            </a:fld>
+            <a:endParaRPr lang="ko-KR" altLang="en-US"/>
+          </a:p>
+        </p:txBody>
+      </p:sp>
+    </p:spTree>
+    <p:extLst>
+      <p:ext uri="{BB962C8B-B14F-4D97-AF65-F5344CB8AC3E}">
+        <p14:creationId xmlns:p14="http://schemas.microsoft.com/office/powerpoint/2010/main" val="2285636349"/>
+      </p:ext>
+    </p:extLst>
+  </p:cSld>
+  <p:clrMapOvr>
+    <a:masterClrMapping/>
+  </p:clrMapOvr>
+</p:sld>
+</file>
+
+<file path=ppt/slides/slide13.xml><?xml version="1.0" encoding="utf-8"?>
+<p:sld xmlns:a="http://schemas.openxmlformats.org/drawingml/2006/main" xmlns:r="http://schemas.openxmlformats.org/officeDocument/2006/relationships" xmlns:p="http://schemas.openxmlformats.org/presentationml/2006/main">
+  <p:cSld>
+    <p:spTree>
+      <p:nvGrpSpPr>
+        <p:cNvPr id="1" name=""/>
+        <p:cNvGrpSpPr/>
+        <p:nvPr/>
+      </p:nvGrpSpPr>
+      <p:grpSpPr>
+        <a:xfrm>
+          <a:off x="0" y="0"/>
+          <a:ext cx="0" cy="0"/>
+          <a:chOff x="0" y="0"/>
+          <a:chExt cx="0" cy="0"/>
+        </a:xfrm>
+      </p:grpSpPr>
+      <p:sp>
+        <p:nvSpPr>
+          <p:cNvPr id="2" name="제목 1">
+            <a:extLst>
+              <a:ext uri="{FF2B5EF4-FFF2-40B4-BE49-F238E27FC236}">
+                <a16:creationId xmlns:a16="http://schemas.microsoft.com/office/drawing/2014/main" id="{B0244AD4-03B7-4C8B-9EC2-F265D484E4F2}"/>
+              </a:ext>
+            </a:extLst>
+          </p:cNvPr>
+          <p:cNvSpPr>
+            <a:spLocks noGrp="1"/>
+          </p:cNvSpPr>
+          <p:nvPr>
+            <p:ph type="title"/>
+          </p:nvPr>
+        </p:nvSpPr>
+        <p:spPr/>
+        <p:txBody>
+          <a:bodyPr/>
+          <a:lstStyle/>
+          <a:p>
+            <a:r>
+              <a:rPr lang="ko-KR" altLang="en-US" dirty="0">
+                <a:latin typeface="+mj-ea"/>
+              </a:rPr>
+              <a:t>참고</a:t>
+            </a:r>
+            <a:r>
+              <a:rPr lang="en-US" altLang="ko-KR" dirty="0">
+                <a:latin typeface="+mj-ea"/>
+              </a:rPr>
+              <a:t>. </a:t>
+            </a:r>
+            <a:r>
+              <a:rPr lang="en-US" altLang="ko-KR" dirty="0" err="1">
+                <a:latin typeface="+mj-ea"/>
+              </a:rPr>
+              <a:t>Keras</a:t>
+            </a:r>
+            <a:r>
+              <a:rPr lang="en-US" altLang="ko-KR" dirty="0">
+                <a:latin typeface="+mj-ea"/>
+              </a:rPr>
+              <a:t> with GPU</a:t>
+            </a:r>
+          </a:p>
+        </p:txBody>
+      </p:sp>
+      <p:sp>
+        <p:nvSpPr>
+          <p:cNvPr id="3" name="내용 개체 틀 2">
+            <a:extLst>
+              <a:ext uri="{FF2B5EF4-FFF2-40B4-BE49-F238E27FC236}">
+                <a16:creationId xmlns:a16="http://schemas.microsoft.com/office/drawing/2014/main" id="{7B25CAE9-42A4-462F-9ED3-EF9650BD6955}"/>
+              </a:ext>
+            </a:extLst>
+          </p:cNvPr>
+          <p:cNvSpPr>
+            <a:spLocks noGrp="1"/>
+          </p:cNvSpPr>
+          <p:nvPr>
+            <p:ph idx="1"/>
+          </p:nvPr>
+        </p:nvSpPr>
+        <p:spPr/>
+        <p:txBody>
+          <a:bodyPr/>
+          <a:lstStyle/>
+          <a:p>
+            <a:r>
+              <a:rPr lang="en-US" altLang="ko-KR" dirty="0" err="1"/>
+              <a:t>Keras</a:t>
+            </a:r>
+            <a:r>
+              <a:rPr lang="en-US" altLang="ko-KR" dirty="0"/>
+              <a:t> package </a:t>
+            </a:r>
+            <a:r>
+              <a:rPr lang="ko-KR" altLang="en-US" dirty="0"/>
+              <a:t>설치</a:t>
+            </a:r>
+            <a:endParaRPr lang="en-US" altLang="ko-KR" dirty="0"/>
+          </a:p>
+          <a:p>
+            <a:pPr lvl="1"/>
+            <a:r>
+              <a:rPr lang="en-US" altLang="ko-KR" dirty="0"/>
+              <a:t>RStudio</a:t>
+            </a:r>
+            <a:r>
+              <a:rPr lang="ko-KR" altLang="en-US" dirty="0"/>
+              <a:t>에서</a:t>
+            </a:r>
+            <a:endParaRPr lang="en-US" altLang="ko-KR" dirty="0"/>
+          </a:p>
+          <a:p>
+            <a:pPr lvl="1"/>
+            <a:endParaRPr lang="en-US" altLang="ko-KR" dirty="0"/>
+          </a:p>
+        </p:txBody>
+      </p:sp>
+      <p:sp>
+        <p:nvSpPr>
+          <p:cNvPr id="4" name="슬라이드 번호 개체 틀 3">
+            <a:extLst>
+              <a:ext uri="{FF2B5EF4-FFF2-40B4-BE49-F238E27FC236}">
+                <a16:creationId xmlns:a16="http://schemas.microsoft.com/office/drawing/2014/main" id="{79DAC62F-AFAA-491D-83D9-AF64BAD9466A}"/>
+              </a:ext>
+            </a:extLst>
+          </p:cNvPr>
+          <p:cNvSpPr>
+            <a:spLocks noGrp="1"/>
+          </p:cNvSpPr>
+          <p:nvPr>
+            <p:ph type="sldNum" sz="quarter" idx="12"/>
+          </p:nvPr>
+        </p:nvSpPr>
+        <p:spPr/>
+        <p:txBody>
+          <a:bodyPr/>
+          <a:lstStyle/>
+          <a:p>
+            <a:fld id="{836783C6-531D-4D0E-B3A1-E8B885D89794}" type="slidenum">
+              <a:rPr lang="ko-KR" altLang="en-US" smtClean="0"/>
+              <a:t>13</a:t>
+            </a:fld>
+            <a:endParaRPr lang="ko-KR" altLang="en-US"/>
+          </a:p>
+        </p:txBody>
+      </p:sp>
+      <p:graphicFrame>
+        <p:nvGraphicFramePr>
+          <p:cNvPr id="5" name="표 4">
+            <a:extLst>
+              <a:ext uri="{FF2B5EF4-FFF2-40B4-BE49-F238E27FC236}">
+                <a16:creationId xmlns:a16="http://schemas.microsoft.com/office/drawing/2014/main" id="{B3EFDF56-42E1-4A60-B776-A13CC754814C}"/>
+              </a:ext>
+            </a:extLst>
+          </p:cNvPr>
+          <p:cNvGraphicFramePr>
+            <a:graphicFrameLocks noGrp="1"/>
+          </p:cNvGraphicFramePr>
+          <p:nvPr>
+            <p:extLst>
+              <p:ext uri="{D42A27DB-BD31-4B8C-83A1-F6EECF244321}">
+                <p14:modId xmlns:p14="http://schemas.microsoft.com/office/powerpoint/2010/main" val="2092116394"/>
+              </p:ext>
+            </p:extLst>
+          </p:nvPr>
+        </p:nvGraphicFramePr>
+        <p:xfrm>
+          <a:off x="628650" y="2898696"/>
+          <a:ext cx="7886700" cy="914400"/>
+        </p:xfrm>
+        <a:graphic>
+          <a:graphicData uri="http://schemas.openxmlformats.org/drawingml/2006/table">
+            <a:tbl>
+              <a:tblPr firstRow="1" bandRow="1">
+                <a:tableStyleId>{5C22544A-7EE6-4342-B048-85BDC9FD1C3A}</a:tableStyleId>
+              </a:tblPr>
+              <a:tblGrid>
+                <a:gridCol w="7886700">
+                  <a:extLst>
+                    <a:ext uri="{9D8B030D-6E8A-4147-A177-3AD203B41FA5}">
+                      <a16:colId xmlns:a16="http://schemas.microsoft.com/office/drawing/2014/main" val="4107628076"/>
+                    </a:ext>
+                  </a:extLst>
+                </a:gridCol>
+              </a:tblGrid>
+              <a:tr h="370840">
+                <a:tc>
+                  <a:txBody>
+                    <a:bodyPr/>
+                    <a:lstStyle/>
+                    <a:p>
+                      <a:pPr marL="0" marR="0" lvl="0" indent="0" algn="l" defTabSz="914400" rtl="0" eaLnBrk="1" fontAlgn="auto" latinLnBrk="1" hangingPunct="1">
+                        <a:lnSpc>
+                          <a:spcPct val="100000"/>
+                        </a:lnSpc>
+                        <a:spcBef>
+                          <a:spcPts val="0"/>
+                        </a:spcBef>
+                        <a:spcAft>
+                          <a:spcPts val="0"/>
+                        </a:spcAft>
+                        <a:buClrTx/>
+                        <a:buSzTx/>
+                        <a:buFontTx/>
+                        <a:buNone/>
+                        <a:tabLst/>
+                        <a:defRPr/>
+                      </a:pPr>
+                      <a:r>
+                        <a:rPr lang="en-US" altLang="ko-KR" b="0" dirty="0">
+                          <a:solidFill>
+                            <a:schemeClr val="tx1"/>
+                          </a:solidFill>
+                          <a:latin typeface="Consolas" panose="020B0609020204030204" pitchFamily="49" charset="0"/>
+                        </a:rPr>
+                        <a:t>&gt; </a:t>
+                      </a:r>
+                      <a:r>
+                        <a:rPr lang="en-US" altLang="ko-KR" b="0" dirty="0" err="1">
+                          <a:solidFill>
+                            <a:schemeClr val="tx1"/>
+                          </a:solidFill>
+                          <a:latin typeface="Consolas" panose="020B0609020204030204" pitchFamily="49" charset="0"/>
+                        </a:rPr>
+                        <a:t>install.packages</a:t>
+                      </a:r>
+                      <a:r>
+                        <a:rPr lang="en-US" altLang="ko-KR" b="0" dirty="0">
+                          <a:solidFill>
+                            <a:schemeClr val="tx1"/>
+                          </a:solidFill>
+                          <a:latin typeface="Consolas" panose="020B0609020204030204" pitchFamily="49" charset="0"/>
+                        </a:rPr>
+                        <a:t>("</a:t>
+                      </a:r>
+                      <a:r>
+                        <a:rPr lang="en-US" altLang="ko-KR" b="0" dirty="0" err="1">
+                          <a:solidFill>
+                            <a:schemeClr val="tx1"/>
+                          </a:solidFill>
+                          <a:latin typeface="Consolas" panose="020B0609020204030204" pitchFamily="49" charset="0"/>
+                        </a:rPr>
+                        <a:t>keras</a:t>
+                      </a:r>
+                      <a:r>
+                        <a:rPr lang="en-US" altLang="ko-KR" b="0" dirty="0">
+                          <a:solidFill>
+                            <a:schemeClr val="tx1"/>
+                          </a:solidFill>
+                          <a:latin typeface="Consolas" panose="020B0609020204030204" pitchFamily="49" charset="0"/>
+                        </a:rPr>
+                        <a:t>")</a:t>
+                      </a:r>
+                    </a:p>
+                    <a:p>
+                      <a:pPr latinLnBrk="1"/>
+                      <a:r>
+                        <a:rPr lang="en-US" altLang="ko-KR" b="0" dirty="0">
+                          <a:solidFill>
+                            <a:schemeClr val="tx1"/>
+                          </a:solidFill>
+                          <a:latin typeface="Consolas" panose="020B0609020204030204" pitchFamily="49" charset="0"/>
+                        </a:rPr>
+                        <a:t>&gt; library(</a:t>
+                      </a:r>
+                      <a:r>
+                        <a:rPr lang="en-US" altLang="ko-KR" b="0" dirty="0" err="1">
+                          <a:solidFill>
+                            <a:schemeClr val="tx1"/>
+                          </a:solidFill>
+                          <a:latin typeface="Consolas" panose="020B0609020204030204" pitchFamily="49" charset="0"/>
+                        </a:rPr>
+                        <a:t>keras</a:t>
+                      </a:r>
+                      <a:r>
+                        <a:rPr lang="en-US" altLang="ko-KR" b="0" dirty="0">
+                          <a:solidFill>
+                            <a:schemeClr val="tx1"/>
+                          </a:solidFill>
+                          <a:latin typeface="Consolas" panose="020B0609020204030204" pitchFamily="49" charset="0"/>
+                        </a:rPr>
+                        <a:t>)</a:t>
+                      </a:r>
+                    </a:p>
+                    <a:p>
+                      <a:pPr latinLnBrk="1"/>
+                      <a:r>
+                        <a:rPr lang="en-US" altLang="ko-KR" b="0" dirty="0">
+                          <a:solidFill>
+                            <a:schemeClr val="tx1"/>
+                          </a:solidFill>
+                          <a:latin typeface="Consolas" panose="020B0609020204030204" pitchFamily="49" charset="0"/>
+                        </a:rPr>
+                        <a:t>&gt; </a:t>
+                      </a:r>
+                      <a:r>
+                        <a:rPr lang="en-US" altLang="ko-KR" b="0" dirty="0" err="1">
+                          <a:solidFill>
+                            <a:schemeClr val="tx1"/>
+                          </a:solidFill>
+                          <a:latin typeface="Consolas" panose="020B0609020204030204" pitchFamily="49" charset="0"/>
+                        </a:rPr>
+                        <a:t>install_keras</a:t>
+                      </a:r>
+                      <a:r>
+                        <a:rPr lang="en-US" altLang="ko-KR" b="0" dirty="0">
+                          <a:solidFill>
+                            <a:schemeClr val="tx1"/>
+                          </a:solidFill>
+                          <a:latin typeface="Consolas" panose="020B0609020204030204" pitchFamily="49" charset="0"/>
+                        </a:rPr>
+                        <a:t>(method = "</a:t>
+                      </a:r>
+                      <a:r>
+                        <a:rPr lang="en-US" altLang="ko-KR" b="0" dirty="0" err="1">
+                          <a:solidFill>
+                            <a:schemeClr val="tx1"/>
+                          </a:solidFill>
+                          <a:latin typeface="Consolas" panose="020B0609020204030204" pitchFamily="49" charset="0"/>
+                        </a:rPr>
+                        <a:t>conda</a:t>
+                      </a:r>
+                      <a:r>
+                        <a:rPr lang="en-US" altLang="ko-KR" b="0" dirty="0">
+                          <a:solidFill>
+                            <a:schemeClr val="tx1"/>
+                          </a:solidFill>
+                          <a:latin typeface="Consolas" panose="020B0609020204030204" pitchFamily="49" charset="0"/>
+                        </a:rPr>
+                        <a:t>", </a:t>
+                      </a:r>
+                      <a:r>
+                        <a:rPr lang="en-US" altLang="ko-KR" b="0" dirty="0" err="1">
+                          <a:solidFill>
+                            <a:schemeClr val="tx1"/>
+                          </a:solidFill>
+                          <a:latin typeface="Consolas" panose="020B0609020204030204" pitchFamily="49" charset="0"/>
+                        </a:rPr>
+                        <a:t>tensorflow</a:t>
+                      </a:r>
+                      <a:r>
+                        <a:rPr lang="en-US" altLang="ko-KR" b="0" dirty="0">
+                          <a:solidFill>
+                            <a:schemeClr val="tx1"/>
+                          </a:solidFill>
+                          <a:latin typeface="Consolas" panose="020B0609020204030204" pitchFamily="49" charset="0"/>
+                        </a:rPr>
+                        <a:t> = "</a:t>
+                      </a:r>
+                      <a:r>
+                        <a:rPr lang="en-US" altLang="ko-KR" b="0" dirty="0" err="1">
+                          <a:solidFill>
+                            <a:schemeClr val="tx1"/>
+                          </a:solidFill>
+                          <a:latin typeface="Consolas" panose="020B0609020204030204" pitchFamily="49" charset="0"/>
+                        </a:rPr>
+                        <a:t>gpu</a:t>
+                      </a:r>
+                      <a:r>
+                        <a:rPr lang="en-US" altLang="ko-KR" b="0" dirty="0">
+                          <a:solidFill>
+                            <a:schemeClr val="tx1"/>
+                          </a:solidFill>
+                          <a:latin typeface="Consolas" panose="020B0609020204030204" pitchFamily="49" charset="0"/>
+                        </a:rPr>
+                        <a:t>")</a:t>
+                      </a:r>
+                      <a:endParaRPr lang="ko-KR" altLang="en-US" b="0" dirty="0">
+                        <a:solidFill>
+                          <a:schemeClr val="tx1"/>
+                        </a:solidFill>
+                        <a:latin typeface="Consolas" panose="020B0609020204030204" pitchFamily="49" charset="0"/>
+                      </a:endParaRPr>
+                    </a:p>
+                  </a:txBody>
+                  <a:tcPr>
+                    <a:lnL w="12700" cap="flat" cmpd="sng" algn="ctr">
+                      <a:solidFill>
+                        <a:schemeClr val="tx1"/>
+                      </a:solidFill>
+                      <a:prstDash val="solid"/>
+                      <a:round/>
+                      <a:headEnd type="none" w="med" len="med"/>
+                      <a:tailEnd type="none" w="med" len="med"/>
+                    </a:lnL>
+                    <a:lnR w="12700" cap="flat" cmpd="sng" algn="ctr">
+                      <a:solidFill>
+                        <a:schemeClr val="tx1"/>
+                      </a:solidFill>
+                      <a:prstDash val="solid"/>
+                      <a:round/>
+                      <a:headEnd type="none" w="med" len="med"/>
+                      <a:tailEnd type="none" w="med" len="med"/>
+                    </a:lnR>
+                    <a:lnT w="12700" cap="flat" cmpd="sng" algn="ctr">
+                      <a:solidFill>
+                        <a:schemeClr val="tx1"/>
+                      </a:solidFill>
+                      <a:prstDash val="solid"/>
+                      <a:round/>
+                      <a:headEnd type="none" w="med" len="med"/>
+                      <a:tailEnd type="none" w="med" len="med"/>
+                    </a:lnT>
+                    <a:lnB w="12700" cap="flat" cmpd="sng" algn="ctr">
+                      <a:solidFill>
+                        <a:schemeClr val="tx1"/>
+                      </a:solidFill>
+                      <a:prstDash val="solid"/>
+                      <a:round/>
+                      <a:headEnd type="none" w="med" len="med"/>
+                      <a:tailEnd type="none" w="med" len="med"/>
+                    </a:lnB>
+                    <a:noFill/>
+                  </a:tcPr>
+                </a:tc>
+                <a:extLst>
+                  <a:ext uri="{0D108BD9-81ED-4DB2-BD59-A6C34878D82A}">
+                    <a16:rowId xmlns:a16="http://schemas.microsoft.com/office/drawing/2014/main" val="3495648846"/>
+                  </a:ext>
+                </a:extLst>
+              </a:tr>
+            </a:tbl>
+          </a:graphicData>
+        </a:graphic>
+      </p:graphicFrame>
+    </p:spTree>
+    <p:extLst>
+      <p:ext uri="{BB962C8B-B14F-4D97-AF65-F5344CB8AC3E}">
+        <p14:creationId xmlns:p14="http://schemas.microsoft.com/office/powerpoint/2010/main" val="4169034576"/>
+      </p:ext>
+    </p:extLst>
+  </p:cSld>
+  <p:clrMapOvr>
+    <a:masterClrMapping/>
+  </p:clrMapOvr>
+</p:sld>
+</file>
+
 <file path=ppt/slides/slide2.xml><?xml version="1.0" encoding="utf-8"?>
 <p:sld xmlns:a="http://schemas.openxmlformats.org/drawingml/2006/main" xmlns:r="http://schemas.openxmlformats.org/officeDocument/2006/relationships" xmlns:p="http://schemas.openxmlformats.org/presentationml/2006/main">
   <p:cSld>
@@ -5591,6 +6708,253 @@
     <p:extLst>
       <p:ext uri="{BB962C8B-B14F-4D97-AF65-F5344CB8AC3E}">
         <p14:creationId xmlns:p14="http://schemas.microsoft.com/office/powerpoint/2010/main" val="3464267431"/>
+      </p:ext>
+    </p:extLst>
+  </p:cSld>
+  <p:clrMapOvr>
+    <a:masterClrMapping/>
+  </p:clrMapOvr>
+</p:sld>
+</file>
+
+<file path=ppt/slides/slide9.xml><?xml version="1.0" encoding="utf-8"?>
+<p:sld xmlns:a="http://schemas.openxmlformats.org/drawingml/2006/main" xmlns:r="http://schemas.openxmlformats.org/officeDocument/2006/relationships" xmlns:p="http://schemas.openxmlformats.org/presentationml/2006/main">
+  <p:cSld>
+    <p:spTree>
+      <p:nvGrpSpPr>
+        <p:cNvPr id="1" name=""/>
+        <p:cNvGrpSpPr/>
+        <p:nvPr/>
+      </p:nvGrpSpPr>
+      <p:grpSpPr>
+        <a:xfrm>
+          <a:off x="0" y="0"/>
+          <a:ext cx="0" cy="0"/>
+          <a:chOff x="0" y="0"/>
+          <a:chExt cx="0" cy="0"/>
+        </a:xfrm>
+      </p:grpSpPr>
+      <p:sp>
+        <p:nvSpPr>
+          <p:cNvPr id="2" name="제목 1">
+            <a:extLst>
+              <a:ext uri="{FF2B5EF4-FFF2-40B4-BE49-F238E27FC236}">
+                <a16:creationId xmlns:a16="http://schemas.microsoft.com/office/drawing/2014/main" id="{B0244AD4-03B7-4C8B-9EC2-F265D484E4F2}"/>
+              </a:ext>
+            </a:extLst>
+          </p:cNvPr>
+          <p:cNvSpPr>
+            <a:spLocks noGrp="1"/>
+          </p:cNvSpPr>
+          <p:nvPr>
+            <p:ph type="title"/>
+          </p:nvPr>
+        </p:nvSpPr>
+        <p:spPr/>
+        <p:txBody>
+          <a:bodyPr/>
+          <a:lstStyle/>
+          <a:p>
+            <a:r>
+              <a:rPr lang="ko-KR" altLang="en-US" dirty="0">
+                <a:latin typeface="+mj-ea"/>
+              </a:rPr>
+              <a:t>참고</a:t>
+            </a:r>
+            <a:r>
+              <a:rPr lang="en-US" altLang="ko-KR" dirty="0">
+                <a:latin typeface="+mj-ea"/>
+              </a:rPr>
+              <a:t>. </a:t>
+            </a:r>
+            <a:r>
+              <a:rPr lang="en-US" altLang="ko-KR" dirty="0" err="1">
+                <a:latin typeface="+mj-ea"/>
+              </a:rPr>
+              <a:t>Keras</a:t>
+            </a:r>
+            <a:r>
+              <a:rPr lang="en-US" altLang="ko-KR" dirty="0">
+                <a:latin typeface="+mj-ea"/>
+              </a:rPr>
+              <a:t> with GPU</a:t>
+            </a:r>
+          </a:p>
+        </p:txBody>
+      </p:sp>
+      <p:sp>
+        <p:nvSpPr>
+          <p:cNvPr id="3" name="내용 개체 틀 2">
+            <a:extLst>
+              <a:ext uri="{FF2B5EF4-FFF2-40B4-BE49-F238E27FC236}">
+                <a16:creationId xmlns:a16="http://schemas.microsoft.com/office/drawing/2014/main" id="{7B25CAE9-42A4-462F-9ED3-EF9650BD6955}"/>
+              </a:ext>
+            </a:extLst>
+          </p:cNvPr>
+          <p:cNvSpPr>
+            <a:spLocks noGrp="1"/>
+          </p:cNvSpPr>
+          <p:nvPr>
+            <p:ph idx="1"/>
+          </p:nvPr>
+        </p:nvSpPr>
+        <p:spPr/>
+        <p:txBody>
+          <a:bodyPr>
+            <a:normAutofit/>
+          </a:bodyPr>
+          <a:lstStyle/>
+          <a:p>
+            <a:r>
+              <a:rPr lang="ko-KR" altLang="en-US" dirty="0"/>
+              <a:t>참고 사이트</a:t>
+            </a:r>
+            <a:endParaRPr lang="en-US" altLang="ko-KR" dirty="0">
+              <a:hlinkClick r:id="rId2"/>
+            </a:endParaRPr>
+          </a:p>
+          <a:p>
+            <a:pPr lvl="1"/>
+            <a:r>
+              <a:rPr lang="en-US" altLang="ko-KR" dirty="0">
+                <a:hlinkClick r:id="rId2"/>
+              </a:rPr>
+              <a:t>https://www.tensorflow.org/install/gpu</a:t>
+            </a:r>
+            <a:endParaRPr lang="en-US" altLang="ko-KR" dirty="0"/>
+          </a:p>
+          <a:p>
+            <a:pPr lvl="1"/>
+            <a:endParaRPr lang="en-US" altLang="ko-KR" dirty="0"/>
+          </a:p>
+          <a:p>
+            <a:r>
+              <a:rPr lang="ko-KR" altLang="en-US" dirty="0"/>
+              <a:t>필요한 도구 </a:t>
+            </a:r>
+            <a:r>
+              <a:rPr lang="en-US" altLang="ko-KR" dirty="0"/>
+              <a:t>(</a:t>
+            </a:r>
+            <a:r>
+              <a:rPr lang="ko-KR" altLang="en-US" dirty="0"/>
+              <a:t>아래 순서대로 설치해야 함</a:t>
+            </a:r>
+            <a:r>
+              <a:rPr lang="en-US" altLang="ko-KR" dirty="0"/>
+              <a:t>)</a:t>
+            </a:r>
+          </a:p>
+          <a:p>
+            <a:pPr lvl="1"/>
+            <a:r>
+              <a:rPr lang="en-US" altLang="ko-KR" dirty="0"/>
+              <a:t>Visual Studio</a:t>
+            </a:r>
+            <a:r>
+              <a:rPr lang="ko-KR" altLang="en-US" dirty="0"/>
+              <a:t> </a:t>
+            </a:r>
+            <a:endParaRPr lang="en-US" altLang="ko-KR" dirty="0"/>
+          </a:p>
+          <a:p>
+            <a:pPr lvl="2"/>
+            <a:r>
+              <a:rPr lang="en-US" altLang="ko-KR" dirty="0"/>
+              <a:t>Visual Studio 2015 Community Edition</a:t>
+            </a:r>
+            <a:r>
+              <a:rPr lang="ko-KR" altLang="en-US" dirty="0"/>
+              <a:t>추천</a:t>
+            </a:r>
+            <a:endParaRPr lang="en-US" altLang="ko-KR" dirty="0"/>
+          </a:p>
+          <a:p>
+            <a:pPr lvl="1"/>
+            <a:r>
+              <a:rPr lang="en-US" altLang="ko-KR" dirty="0"/>
+              <a:t>NVIDIA CUDA toolkit</a:t>
+            </a:r>
+          </a:p>
+          <a:p>
+            <a:pPr lvl="2"/>
+            <a:r>
+              <a:rPr lang="en-US" altLang="ko-KR" dirty="0"/>
+              <a:t>9.0 </a:t>
+            </a:r>
+            <a:r>
+              <a:rPr lang="ko-KR" altLang="en-US" dirty="0"/>
+              <a:t>버전 추천</a:t>
+            </a:r>
+            <a:endParaRPr lang="en-US" altLang="ko-KR" dirty="0"/>
+          </a:p>
+          <a:p>
+            <a:pPr lvl="1"/>
+            <a:r>
+              <a:rPr lang="en-US" altLang="ko-KR" dirty="0"/>
+              <a:t>NVIDIA </a:t>
+            </a:r>
+            <a:r>
+              <a:rPr lang="en-US" altLang="ko-KR" dirty="0" err="1"/>
+              <a:t>cuDNN</a:t>
+            </a:r>
+            <a:endParaRPr lang="en-US" altLang="ko-KR" dirty="0"/>
+          </a:p>
+          <a:p>
+            <a:pPr lvl="2"/>
+            <a:r>
+              <a:rPr lang="en-US" altLang="ko-KR" dirty="0"/>
+              <a:t>7.2 </a:t>
+            </a:r>
+            <a:r>
+              <a:rPr lang="ko-KR" altLang="en-US" dirty="0"/>
+              <a:t>이상 버전 추천</a:t>
+            </a:r>
+            <a:endParaRPr lang="en-US" altLang="ko-KR" dirty="0"/>
+          </a:p>
+          <a:p>
+            <a:pPr lvl="2"/>
+            <a:endParaRPr lang="en-US" altLang="ko-KR" dirty="0"/>
+          </a:p>
+          <a:p>
+            <a:pPr lvl="2"/>
+            <a:endParaRPr lang="en-US" altLang="ko-KR" dirty="0"/>
+          </a:p>
+        </p:txBody>
+      </p:sp>
+      <p:sp>
+        <p:nvSpPr>
+          <p:cNvPr id="4" name="슬라이드 번호 개체 틀 3">
+            <a:extLst>
+              <a:ext uri="{FF2B5EF4-FFF2-40B4-BE49-F238E27FC236}">
+                <a16:creationId xmlns:a16="http://schemas.microsoft.com/office/drawing/2014/main" id="{79DAC62F-AFAA-491D-83D9-AF64BAD9466A}"/>
+              </a:ext>
+            </a:extLst>
+          </p:cNvPr>
+          <p:cNvSpPr>
+            <a:spLocks noGrp="1"/>
+          </p:cNvSpPr>
+          <p:nvPr>
+            <p:ph type="sldNum" sz="quarter" idx="12"/>
+          </p:nvPr>
+        </p:nvSpPr>
+        <p:spPr/>
+        <p:txBody>
+          <a:bodyPr/>
+          <a:lstStyle/>
+          <a:p>
+            <a:fld id="{836783C6-531D-4D0E-B3A1-E8B885D89794}" type="slidenum">
+              <a:rPr lang="ko-KR" altLang="en-US" smtClean="0"/>
+              <a:t>9</a:t>
+            </a:fld>
+            <a:endParaRPr lang="ko-KR" altLang="en-US"/>
+          </a:p>
+        </p:txBody>
+      </p:sp>
+    </p:spTree>
+    <p:extLst>
+      <p:ext uri="{BB962C8B-B14F-4D97-AF65-F5344CB8AC3E}">
+        <p14:creationId xmlns:p14="http://schemas.microsoft.com/office/powerpoint/2010/main" val="1348508919"/>
       </p:ext>
     </p:extLst>
   </p:cSld>
